--- a/posters/ecar.pptx
+++ b/posters/ecar.pptx
@@ -17844,15 +17844,7 @@
                   <a:schemeClr val="dk1"/>
                 </a:solidFill>
               </a:rPr>
-              <a:t>HARDWARE </a:t>
-            </a:r>
-            <a:r>
-              <a:rPr lang="en-US" sz="7800" b="1" dirty="0" smtClean="0">
-                <a:solidFill>
-                  <a:schemeClr val="dk1"/>
-                </a:solidFill>
-              </a:rPr>
-              <a:t>DESIGN PROGRESS</a:t>
+              <a:t>HARDWARE DESIGN PROGRESS</a:t>
             </a:r>
             <a:endParaRPr sz="7800" b="1" dirty="0">
               <a:solidFill>
@@ -17878,7 +17870,7 @@
               <a:buFont typeface="Arial"/>
               <a:buNone/>
             </a:pPr>
-            <a:endParaRPr lang="en-US" sz="7800" b="1" dirty="0" smtClean="0">
+            <a:endParaRPr lang="en-US" sz="7800" b="1" dirty="0">
               <a:solidFill>
                 <a:schemeClr val="dk1"/>
               </a:solidFill>
@@ -17926,7 +17918,7 @@
               <a:buFont typeface="Arial"/>
               <a:buNone/>
             </a:pPr>
-            <a:endParaRPr lang="en-US" sz="7800" b="1" dirty="0" smtClean="0">
+            <a:endParaRPr lang="en-US" sz="7800" b="1" dirty="0">
               <a:solidFill>
                 <a:schemeClr val="dk1"/>
               </a:solidFill>
@@ -17998,7 +17990,7 @@
               <a:buFont typeface="Arial"/>
               <a:buNone/>
             </a:pPr>
-            <a:endParaRPr lang="en-US" sz="3600" dirty="0" smtClean="0">
+            <a:endParaRPr lang="en-US" sz="3600" dirty="0">
               <a:solidFill>
                 <a:schemeClr val="dk1"/>
               </a:solidFill>
@@ -18023,7 +18015,7 @@
               <a:buNone/>
             </a:pPr>
             <a:r>
-              <a:rPr lang="en-US" sz="3600" dirty="0" smtClean="0">
+              <a:rPr lang="en-US" sz="3600" dirty="0">
                 <a:solidFill>
                   <a:schemeClr val="dk1"/>
                 </a:solidFill>
@@ -18049,7 +18041,7 @@
               <a:buFont typeface="Arial"/>
               <a:buNone/>
             </a:pPr>
-            <a:endParaRPr lang="en-US" sz="3600" dirty="0" smtClean="0">
+            <a:endParaRPr lang="en-US" sz="3600" dirty="0">
               <a:solidFill>
                 <a:schemeClr val="dk1"/>
               </a:solidFill>
@@ -18274,7 +18266,7 @@
               <a:buNone/>
             </a:pPr>
             <a:r>
-              <a:rPr lang="en-US" sz="7800" b="1" i="0" u="none" strike="noStrike" cap="none" dirty="0" smtClean="0">
+              <a:rPr lang="en-US" sz="7800" b="1" i="0" u="none" strike="noStrike" cap="none" dirty="0">
                 <a:solidFill>
                   <a:schemeClr val="dk1"/>
                 </a:solidFill>
@@ -18306,7 +18298,7 @@
               <a:buChar char="○"/>
             </a:pPr>
             <a:r>
-              <a:rPr lang="en-US" sz="4200" dirty="0" smtClean="0">
+              <a:rPr lang="en-US" sz="4200" dirty="0">
                 <a:solidFill>
                   <a:schemeClr val="dk1"/>
                 </a:solidFill>
@@ -18337,7 +18329,7 @@
               <a:buChar char="○"/>
             </a:pPr>
             <a:r>
-              <a:rPr lang="en-US" sz="4200" dirty="0" smtClean="0">
+              <a:rPr lang="en-US" sz="4200" dirty="0">
                 <a:solidFill>
                   <a:schemeClr val="dk1"/>
                 </a:solidFill>
@@ -18368,7 +18360,7 @@
               <a:buChar char="○"/>
             </a:pPr>
             <a:r>
-              <a:rPr lang="en-US" sz="4200" dirty="0" smtClean="0">
+              <a:rPr lang="en-US" sz="4200" dirty="0">
                 <a:solidFill>
                   <a:schemeClr val="dk1"/>
                 </a:solidFill>
@@ -18399,7 +18391,7 @@
               <a:buChar char="○"/>
             </a:pPr>
             <a:r>
-              <a:rPr lang="en-US" sz="4200" dirty="0" smtClean="0">
+              <a:rPr lang="en-US" sz="4200" dirty="0">
                 <a:solidFill>
                   <a:schemeClr val="dk1"/>
                 </a:solidFill>
@@ -18457,14 +18449,13 @@
               <a:buNone/>
             </a:pPr>
             <a:r>
-              <a:rPr lang="en-US" sz="10000" b="1" dirty="0" smtClean="0">
+              <a:rPr lang="en-US" sz="10000" b="1" dirty="0">
                 <a:solidFill>
                   <a:schemeClr val="dk1"/>
                 </a:solidFill>
               </a:rPr>
-              <a:t>Electric car power train control (in development)</a:t>
+              <a:t>Electric car power train control</a:t>
             </a:r>
-            <a:endParaRPr dirty="0"/>
           </a:p>
           <a:p>
             <a:pPr marL="0" marR="0" lvl="0" indent="0" algn="ctr" rtl="0">
@@ -18480,7 +18471,7 @@
               <a:buClr>
                 <a:schemeClr val="dk1"/>
               </a:buClr>
-              <a:buSzPts val="6000"/>
+              <a:buSzPts val="10000"/>
               <a:buFont typeface="Arial"/>
               <a:buNone/>
             </a:pPr>
@@ -18494,19 +18485,7 @@
                 <a:cs typeface="Arial"/>
                 <a:sym typeface="Arial"/>
               </a:rPr>
-              <a:t>By: </a:t>
-            </a:r>
-            <a:r>
-              <a:rPr lang="en-US" sz="6000" b="0" i="0" u="none" strike="noStrike" cap="none" dirty="0" smtClean="0">
-                <a:solidFill>
-                  <a:schemeClr val="dk1"/>
-                </a:solidFill>
-                <a:latin typeface="Arial"/>
-                <a:ea typeface="Arial"/>
-                <a:cs typeface="Arial"/>
-                <a:sym typeface="Arial"/>
-              </a:rPr>
-              <a:t>Luis Chachayma, Sai Charan</a:t>
+              <a:t>By: Luis Chachayma, Sai Charan</a:t>
             </a:r>
             <a:endParaRPr dirty="0"/>
           </a:p>
@@ -18587,7 +18566,7 @@
               <a:buNone/>
             </a:pPr>
             <a:r>
-              <a:rPr lang="en-US" sz="4200" b="0" i="0" u="none" strike="noStrike" cap="none" dirty="0" smtClean="0">
+              <a:rPr lang="en-US" sz="4200" b="0" i="0" u="none" strike="noStrike" cap="none" dirty="0">
                 <a:solidFill>
                   <a:schemeClr val="dk1"/>
                 </a:solidFill>
@@ -18599,7 +18578,7 @@
               <a:t>Proper control of the electrical systems in an </a:t>
             </a:r>
             <a:r>
-              <a:rPr lang="en-US" sz="4200" dirty="0" smtClean="0">
+              <a:rPr lang="en-US" sz="4200" dirty="0">
                 <a:solidFill>
                   <a:schemeClr val="dk1"/>
                 </a:solidFill>
@@ -18626,7 +18605,7 @@
               <a:buNone/>
             </a:pPr>
             <a:r>
-              <a:rPr lang="en-US" sz="4200" dirty="0" smtClean="0">
+              <a:rPr lang="en-US" sz="4200" dirty="0">
                 <a:solidFill>
                   <a:schemeClr val="dk1"/>
                 </a:solidFill>
@@ -18653,7 +18632,7 @@
               <a:buNone/>
             </a:pPr>
             <a:r>
-              <a:rPr lang="en-US" sz="4200" dirty="0" smtClean="0">
+              <a:rPr lang="en-US" sz="4200" dirty="0">
                 <a:solidFill>
                   <a:schemeClr val="dk1"/>
                 </a:solidFill>
@@ -18778,18 +18757,13 @@
               <a:buNone/>
             </a:pPr>
             <a:r>
-              <a:rPr lang="en-US" sz="3600" dirty="0" smtClean="0">
+              <a:rPr lang="en-US" sz="3600" dirty="0">
                 <a:solidFill>
                   <a:schemeClr val="dk1"/>
                 </a:solidFill>
               </a:rPr>
               <a:t>                       Block Diagram Motor Control</a:t>
             </a:r>
-            <a:endParaRPr lang="en-US" sz="3600" dirty="0" smtClean="0">
-              <a:solidFill>
-                <a:schemeClr val="dk1"/>
-              </a:solidFill>
-            </a:endParaRPr>
           </a:p>
           <a:p>
             <a:pPr marL="0" marR="0" lvl="0" indent="0" algn="l" rtl="0">
@@ -18809,7 +18783,7 @@
               <a:buFont typeface="Arial"/>
               <a:buNone/>
             </a:pPr>
-            <a:endParaRPr lang="en-US" sz="3600" dirty="0" smtClean="0">
+            <a:endParaRPr lang="en-US" sz="3600" dirty="0">
               <a:solidFill>
                 <a:schemeClr val="dk1"/>
               </a:solidFill>
@@ -18996,13 +18970,6 @@
   <p:clrMapOvr>
     <a:masterClrMapping/>
   </p:clrMapOvr>
-  <p:timing>
-    <p:tnLst>
-      <p:par>
-        <p:cTn id="1" dur="indefinite" restart="never" nodeType="tmRoot"/>
-      </p:par>
-    </p:tnLst>
-  </p:timing>
 </p:sld>
 </file>
 
